--- a/3740 CPS/CA01_GroupA/CA01.pptx
+++ b/3740 CPS/CA01_GroupA/CA01.pptx
@@ -1093,6 +1093,9 @@
               <a:rPr lang="en-US" dirty="0"/>
               <a:t>Here is the syntax of MySQL Trigger creation.</a:t>
             </a:r>
+          </a:p>
+          <a:p>
+            <a:endParaRPr lang="en-US" dirty="0"/>
           </a:p>
           <a:p>
             <a:r>
